--- a/Презентация.pptx
+++ b/Презентация.pptx
@@ -8,7 +8,8 @@
     <p:sldId id="256" r:id="rId2"/>
     <p:sldId id="257" r:id="rId3"/>
     <p:sldId id="258" r:id="rId4"/>
-    <p:sldId id="259" r:id="rId5"/>
+    <p:sldId id="260" r:id="rId5"/>
+    <p:sldId id="259" r:id="rId6"/>
   </p:sldIdLst>
   <p:sldSz cx="12192000" cy="6858000"/>
   <p:notesSz cx="6858000" cy="9144000"/>
@@ -3521,7 +3522,6 @@
               <a:rPr lang="ru-RU" dirty="0"/>
               <a:t>-Удаление элемента множества.</a:t>
             </a:r>
-            <a:endParaRPr lang="ru-RU" dirty="0"/>
           </a:p>
         </p:txBody>
       </p:sp>
@@ -3740,6 +3740,98 @@
             <p:ph type="title"/>
           </p:nvPr>
         </p:nvSpPr>
+        <p:spPr>
+          <a:xfrm>
+            <a:off x="1143000" y="609600"/>
+            <a:ext cx="9875520" cy="765908"/>
+          </a:xfrm>
+        </p:spPr>
+        <p:txBody>
+          <a:bodyPr/>
+          <a:lstStyle/>
+          <a:p>
+            <a:pPr algn="ctr"/>
+            <a:r>
+              <a:rPr lang="ru-RU" dirty="0"/>
+              <a:t>П</a:t>
+            </a:r>
+            <a:r>
+              <a:rPr lang="ru-RU" dirty="0" smtClean="0"/>
+              <a:t>ример работы программы:</a:t>
+            </a:r>
+            <a:endParaRPr lang="ru-RU" dirty="0"/>
+          </a:p>
+        </p:txBody>
+      </p:sp>
+      <p:pic>
+        <p:nvPicPr>
+          <p:cNvPr id="4" name="Объект 3"/>
+          <p:cNvPicPr>
+            <a:picLocks noGrp="1" noChangeAspect="1"/>
+          </p:cNvPicPr>
+          <p:nvPr>
+            <p:ph idx="1"/>
+          </p:nvPr>
+        </p:nvPicPr>
+        <p:blipFill>
+          <a:blip r:embed="rId2">
+            <a:extLst>
+              <a:ext uri="{28A0092B-C50C-407E-A947-70E740481C1C}">
+                <a14:useLocalDpi xmlns:a14="http://schemas.microsoft.com/office/drawing/2010/main" val="0"/>
+              </a:ext>
+            </a:extLst>
+          </a:blip>
+          <a:stretch>
+            <a:fillRect/>
+          </a:stretch>
+        </p:blipFill>
+        <p:spPr>
+          <a:xfrm>
+            <a:off x="1180889" y="1367693"/>
+            <a:ext cx="9399641" cy="5072184"/>
+          </a:xfrm>
+        </p:spPr>
+      </p:pic>
+    </p:spTree>
+    <p:extLst>
+      <p:ext uri="{BB962C8B-B14F-4D97-AF65-F5344CB8AC3E}">
+        <p14:creationId xmlns:p14="http://schemas.microsoft.com/office/powerpoint/2010/main" val="3914392038"/>
+      </p:ext>
+    </p:extLst>
+  </p:cSld>
+  <p:clrMapOvr>
+    <a:masterClrMapping/>
+  </p:clrMapOvr>
+</p:sld>
+</file>
+
+<file path=ppt/slides/slide5.xml><?xml version="1.0" encoding="utf-8"?>
+<p:sld xmlns:a="http://schemas.openxmlformats.org/drawingml/2006/main" xmlns:r="http://schemas.openxmlformats.org/officeDocument/2006/relationships" xmlns:p="http://schemas.openxmlformats.org/presentationml/2006/main">
+  <p:cSld>
+    <p:spTree>
+      <p:nvGrpSpPr>
+        <p:cNvPr id="1" name=""/>
+        <p:cNvGrpSpPr/>
+        <p:nvPr/>
+      </p:nvGrpSpPr>
+      <p:grpSpPr>
+        <a:xfrm>
+          <a:off x="0" y="0"/>
+          <a:ext cx="0" cy="0"/>
+          <a:chOff x="0" y="0"/>
+          <a:chExt cx="0" cy="0"/>
+        </a:xfrm>
+      </p:grpSpPr>
+      <p:sp>
+        <p:nvSpPr>
+          <p:cNvPr id="2" name="Заголовок 1"/>
+          <p:cNvSpPr>
+            <a:spLocks noGrp="1"/>
+          </p:cNvSpPr>
+          <p:nvPr>
+            <p:ph type="title"/>
+          </p:nvPr>
+        </p:nvSpPr>
         <p:spPr/>
         <p:txBody>
           <a:bodyPr/>
@@ -3768,8 +3860,12 @@
           <a:lstStyle/>
           <a:p>
             <a:r>
+              <a:rPr lang="ru-RU" sz="2400" dirty="0" smtClean="0"/>
+              <a:t>В </a:t>
+            </a:r>
+            <a:r>
               <a:rPr lang="ru-RU" sz="2400" dirty="0"/>
-              <a:t>В ходе выполнения данной работы были изучены массивы данных, написана программа и было выполнено первое домашнее задание по функциональной логике и теории алгоритмов.</a:t>
+              <a:t>ходе выполнения данной работы были изучены массивы данных, написана программа и было выполнено первое домашнее задание по функциональной логике и теории алгоритмов.</a:t>
             </a:r>
           </a:p>
           <a:p>
@@ -3833,7 +3929,7 @@
     </a:clrScheme>
     <a:fontScheme name="Basis">
       <a:majorFont>
-        <a:latin typeface="Corbel" panose="020B0503020204020204"/>
+        <a:latin typeface="Corbel"/>
         <a:ea typeface=""/>
         <a:cs typeface=""/>
         <a:font script="Jpan" typeface="ＭＳ ゴシック"/>
@@ -3868,7 +3964,7 @@
         <a:font script="Geor" typeface="Sylfaen"/>
       </a:majorFont>
       <a:minorFont>
-        <a:latin typeface="Corbel" panose="020B0503020204020204"/>
+        <a:latin typeface="Corbel"/>
         <a:ea typeface=""/>
         <a:cs typeface=""/>
         <a:font script="Jpan" typeface="ＭＳ ゴシック"/>
@@ -4021,7 +4117,7 @@
   <a:extraClrSchemeLst/>
   <a:extLst>
     <a:ext uri="{05A4C25C-085E-4340-85A3-A5531E510DB2}">
-      <thm15:themeFamily xmlns:thm15="http://schemas.microsoft.com/office/thememl/2012/main" name="Basis" id="{5665723A-49BA-4B57-8411-A56F8F207965}" vid="{90E45F77-AEFC-46EF-A7C1-5B338C297B02}"/>
+      <thm15:themeFamily xmlns:thm15="http://schemas.microsoft.com/office/thememl/2012/main" xmlns="" name="Basis" id="{5665723A-49BA-4B57-8411-A56F8F207965}" vid="{90E45F77-AEFC-46EF-A7C1-5B338C297B02}"/>
     </a:ext>
   </a:extLst>
 </a:theme>
